--- a/presentation.pptx
+++ b/presentation.pptx
@@ -4,6 +4,9 @@
   <p:sldMasterIdLst>
     <p:sldMasterId id="2147483648" r:id="rId1"/>
   </p:sldMasterIdLst>
+  <p:notesMasterIdLst>
+    <p:notesMasterId r:id="rId21"/>
+  </p:notesMasterIdLst>
   <p:sldIdLst>
     <p:sldId id="256" r:id="rId2"/>
     <p:sldId id="257" r:id="rId3"/>
@@ -122,7 +125,1191 @@
       </a:defRPr>
     </a:lvl9pPr>
   </p:defaultTextStyle>
+  <p:extLst>
+    <p:ext uri="{EFAFB233-063F-42B5-8137-9DF3F51BA10A}">
+      <p15:sldGuideLst xmlns:p15="http://schemas.microsoft.com/office/powerpoint/2012/main"/>
+    </p:ext>
+  </p:extLst>
 </p:presentation>
+</file>
+
+<file path=ppt/notesMasters/notesMaster1.xml><?xml version="1.0" encoding="utf-8"?>
+<p:notesMaster xmlns:a="http://schemas.openxmlformats.org/drawingml/2006/main" xmlns:r="http://schemas.openxmlformats.org/officeDocument/2006/relationships" xmlns:p="http://schemas.openxmlformats.org/presentationml/2006/main">
+  <p:cSld>
+    <p:bg>
+      <p:bgRef idx="1001">
+        <a:schemeClr val="bg1"/>
+      </p:bgRef>
+    </p:bg>
+    <p:spTree>
+      <p:nvGrpSpPr>
+        <p:cNvPr id="1" name=""/>
+        <p:cNvGrpSpPr/>
+        <p:nvPr/>
+      </p:nvGrpSpPr>
+      <p:grpSpPr>
+        <a:xfrm>
+          <a:off x="0" y="0"/>
+          <a:ext cx="0" cy="0"/>
+          <a:chOff x="0" y="0"/>
+          <a:chExt cx="0" cy="0"/>
+        </a:xfrm>
+      </p:grpSpPr>
+      <p:sp>
+        <p:nvSpPr>
+          <p:cNvPr id="2" name="Header Placeholder 1"/>
+          <p:cNvSpPr>
+            <a:spLocks noGrp="1"/>
+          </p:cNvSpPr>
+          <p:nvPr>
+            <p:ph type="hdr" sz="quarter"/>
+          </p:nvPr>
+        </p:nvSpPr>
+        <p:spPr>
+          <a:xfrm>
+            <a:off x="0" y="0"/>
+            <a:ext cx="2971800" cy="458788"/>
+          </a:xfrm>
+          <a:prstGeom prst="rect">
+            <a:avLst/>
+          </a:prstGeom>
+        </p:spPr>
+        <p:txBody>
+          <a:bodyPr vert="horz" lIns="91440" tIns="45720" rIns="91440" bIns="45720" rtlCol="0"/>
+          <a:lstStyle>
+            <a:lvl1pPr algn="l">
+              <a:defRPr sz="1200"/>
+            </a:lvl1pPr>
+          </a:lstStyle>
+          <a:p>
+            <a:endParaRPr lang="en-US"/>
+          </a:p>
+        </p:txBody>
+      </p:sp>
+      <p:sp>
+        <p:nvSpPr>
+          <p:cNvPr id="3" name="Date Placeholder 2"/>
+          <p:cNvSpPr>
+            <a:spLocks noGrp="1"/>
+          </p:cNvSpPr>
+          <p:nvPr>
+            <p:ph type="dt" idx="1"/>
+          </p:nvPr>
+        </p:nvSpPr>
+        <p:spPr>
+          <a:xfrm>
+            <a:off x="3884613" y="0"/>
+            <a:ext cx="2971800" cy="458788"/>
+          </a:xfrm>
+          <a:prstGeom prst="rect">
+            <a:avLst/>
+          </a:prstGeom>
+        </p:spPr>
+        <p:txBody>
+          <a:bodyPr vert="horz" lIns="91440" tIns="45720" rIns="91440" bIns="45720" rtlCol="0"/>
+          <a:lstStyle>
+            <a:lvl1pPr algn="r">
+              <a:defRPr sz="1200"/>
+            </a:lvl1pPr>
+          </a:lstStyle>
+          <a:p>
+            <a:fld id="{B11AD51F-089C-47DB-A763-381BBFD54B52}" type="datetimeFigureOut">
+              <a:rPr lang="en-US" smtClean="0"/>
+              <a:t>5/12/2025</a:t>
+            </a:fld>
+            <a:endParaRPr lang="en-US"/>
+          </a:p>
+        </p:txBody>
+      </p:sp>
+      <p:sp>
+        <p:nvSpPr>
+          <p:cNvPr id="4" name="Slide Image Placeholder 3"/>
+          <p:cNvSpPr>
+            <a:spLocks noGrp="1" noRot="1" noChangeAspect="1"/>
+          </p:cNvSpPr>
+          <p:nvPr>
+            <p:ph type="sldImg" idx="2"/>
+          </p:nvPr>
+        </p:nvSpPr>
+        <p:spPr>
+          <a:xfrm>
+            <a:off x="685800" y="1143000"/>
+            <a:ext cx="5486400" cy="3086100"/>
+          </a:xfrm>
+          <a:prstGeom prst="rect">
+            <a:avLst/>
+          </a:prstGeom>
+          <a:noFill/>
+          <a:ln w="12700">
+            <a:solidFill>
+              <a:prstClr val="black"/>
+            </a:solidFill>
+          </a:ln>
+        </p:spPr>
+        <p:txBody>
+          <a:bodyPr vert="horz" lIns="91440" tIns="45720" rIns="91440" bIns="45720" rtlCol="0" anchor="ctr"/>
+          <a:lstStyle/>
+          <a:p>
+            <a:endParaRPr lang="en-US"/>
+          </a:p>
+        </p:txBody>
+      </p:sp>
+      <p:sp>
+        <p:nvSpPr>
+          <p:cNvPr id="5" name="Notes Placeholder 4"/>
+          <p:cNvSpPr>
+            <a:spLocks noGrp="1"/>
+          </p:cNvSpPr>
+          <p:nvPr>
+            <p:ph type="body" sz="quarter" idx="3"/>
+          </p:nvPr>
+        </p:nvSpPr>
+        <p:spPr>
+          <a:xfrm>
+            <a:off x="685800" y="4400550"/>
+            <a:ext cx="5486400" cy="3600450"/>
+          </a:xfrm>
+          <a:prstGeom prst="rect">
+            <a:avLst/>
+          </a:prstGeom>
+        </p:spPr>
+        <p:txBody>
+          <a:bodyPr vert="horz" lIns="91440" tIns="45720" rIns="91440" bIns="45720" rtlCol="0"/>
+          <a:lstStyle/>
+          <a:p>
+            <a:pPr lvl="0"/>
+            <a:r>
+              <a:rPr lang="en-US"/>
+              <a:t>Click to edit Master text styles</a:t>
+            </a:r>
+          </a:p>
+          <a:p>
+            <a:pPr lvl="1"/>
+            <a:r>
+              <a:rPr lang="en-US"/>
+              <a:t>Second level</a:t>
+            </a:r>
+          </a:p>
+          <a:p>
+            <a:pPr lvl="2"/>
+            <a:r>
+              <a:rPr lang="en-US"/>
+              <a:t>Third level</a:t>
+            </a:r>
+          </a:p>
+          <a:p>
+            <a:pPr lvl="3"/>
+            <a:r>
+              <a:rPr lang="en-US"/>
+              <a:t>Fourth level</a:t>
+            </a:r>
+          </a:p>
+          <a:p>
+            <a:pPr lvl="4"/>
+            <a:r>
+              <a:rPr lang="en-US"/>
+              <a:t>Fifth level</a:t>
+            </a:r>
+          </a:p>
+        </p:txBody>
+      </p:sp>
+      <p:sp>
+        <p:nvSpPr>
+          <p:cNvPr id="6" name="Footer Placeholder 5"/>
+          <p:cNvSpPr>
+            <a:spLocks noGrp="1"/>
+          </p:cNvSpPr>
+          <p:nvPr>
+            <p:ph type="ftr" sz="quarter" idx="4"/>
+          </p:nvPr>
+        </p:nvSpPr>
+        <p:spPr>
+          <a:xfrm>
+            <a:off x="0" y="8685213"/>
+            <a:ext cx="2971800" cy="458787"/>
+          </a:xfrm>
+          <a:prstGeom prst="rect">
+            <a:avLst/>
+          </a:prstGeom>
+        </p:spPr>
+        <p:txBody>
+          <a:bodyPr vert="horz" lIns="91440" tIns="45720" rIns="91440" bIns="45720" rtlCol="0" anchor="b"/>
+          <a:lstStyle>
+            <a:lvl1pPr algn="l">
+              <a:defRPr sz="1200"/>
+            </a:lvl1pPr>
+          </a:lstStyle>
+          <a:p>
+            <a:endParaRPr lang="en-US"/>
+          </a:p>
+        </p:txBody>
+      </p:sp>
+      <p:sp>
+        <p:nvSpPr>
+          <p:cNvPr id="7" name="Slide Number Placeholder 6"/>
+          <p:cNvSpPr>
+            <a:spLocks noGrp="1"/>
+          </p:cNvSpPr>
+          <p:nvPr>
+            <p:ph type="sldNum" sz="quarter" idx="5"/>
+          </p:nvPr>
+        </p:nvSpPr>
+        <p:spPr>
+          <a:xfrm>
+            <a:off x="3884613" y="8685213"/>
+            <a:ext cx="2971800" cy="458787"/>
+          </a:xfrm>
+          <a:prstGeom prst="rect">
+            <a:avLst/>
+          </a:prstGeom>
+        </p:spPr>
+        <p:txBody>
+          <a:bodyPr vert="horz" lIns="91440" tIns="45720" rIns="91440" bIns="45720" rtlCol="0" anchor="b"/>
+          <a:lstStyle>
+            <a:lvl1pPr algn="r">
+              <a:defRPr sz="1200"/>
+            </a:lvl1pPr>
+          </a:lstStyle>
+          <a:p>
+            <a:fld id="{D5E80025-6764-4A1B-AFC1-BE371809C83A}" type="slidenum">
+              <a:rPr lang="en-US" smtClean="0"/>
+              <a:t>‹#›</a:t>
+            </a:fld>
+            <a:endParaRPr lang="en-US"/>
+          </a:p>
+        </p:txBody>
+      </p:sp>
+    </p:spTree>
+    <p:extLst>
+      <p:ext uri="{BB962C8B-B14F-4D97-AF65-F5344CB8AC3E}">
+        <p14:creationId xmlns:p14="http://schemas.microsoft.com/office/powerpoint/2010/main" val="982527363"/>
+      </p:ext>
+    </p:extLst>
+  </p:cSld>
+  <p:clrMap bg1="lt1" tx1="dk1" bg2="lt2" tx2="dk2" accent1="accent1" accent2="accent2" accent3="accent3" accent4="accent4" accent5="accent5" accent6="accent6" hlink="hlink" folHlink="folHlink"/>
+  <p:notesStyle>
+    <a:lvl1pPr marL="0" algn="l" defTabSz="914400" rtl="0" eaLnBrk="1" latinLnBrk="0" hangingPunct="1">
+      <a:defRPr sz="1200" kern="1200">
+        <a:solidFill>
+          <a:schemeClr val="tx1"/>
+        </a:solidFill>
+        <a:latin typeface="+mn-lt"/>
+        <a:ea typeface="+mn-ea"/>
+        <a:cs typeface="+mn-cs"/>
+      </a:defRPr>
+    </a:lvl1pPr>
+    <a:lvl2pPr marL="457200" algn="l" defTabSz="914400" rtl="0" eaLnBrk="1" latinLnBrk="0" hangingPunct="1">
+      <a:defRPr sz="1200" kern="1200">
+        <a:solidFill>
+          <a:schemeClr val="tx1"/>
+        </a:solidFill>
+        <a:latin typeface="+mn-lt"/>
+        <a:ea typeface="+mn-ea"/>
+        <a:cs typeface="+mn-cs"/>
+      </a:defRPr>
+    </a:lvl2pPr>
+    <a:lvl3pPr marL="914400" algn="l" defTabSz="914400" rtl="0" eaLnBrk="1" latinLnBrk="0" hangingPunct="1">
+      <a:defRPr sz="1200" kern="1200">
+        <a:solidFill>
+          <a:schemeClr val="tx1"/>
+        </a:solidFill>
+        <a:latin typeface="+mn-lt"/>
+        <a:ea typeface="+mn-ea"/>
+        <a:cs typeface="+mn-cs"/>
+      </a:defRPr>
+    </a:lvl3pPr>
+    <a:lvl4pPr marL="1371600" algn="l" defTabSz="914400" rtl="0" eaLnBrk="1" latinLnBrk="0" hangingPunct="1">
+      <a:defRPr sz="1200" kern="1200">
+        <a:solidFill>
+          <a:schemeClr val="tx1"/>
+        </a:solidFill>
+        <a:latin typeface="+mn-lt"/>
+        <a:ea typeface="+mn-ea"/>
+        <a:cs typeface="+mn-cs"/>
+      </a:defRPr>
+    </a:lvl4pPr>
+    <a:lvl5pPr marL="1828800" algn="l" defTabSz="914400" rtl="0" eaLnBrk="1" latinLnBrk="0" hangingPunct="1">
+      <a:defRPr sz="1200" kern="1200">
+        <a:solidFill>
+          <a:schemeClr val="tx1"/>
+        </a:solidFill>
+        <a:latin typeface="+mn-lt"/>
+        <a:ea typeface="+mn-ea"/>
+        <a:cs typeface="+mn-cs"/>
+      </a:defRPr>
+    </a:lvl5pPr>
+    <a:lvl6pPr marL="2286000" algn="l" defTabSz="914400" rtl="0" eaLnBrk="1" latinLnBrk="0" hangingPunct="1">
+      <a:defRPr sz="1200" kern="1200">
+        <a:solidFill>
+          <a:schemeClr val="tx1"/>
+        </a:solidFill>
+        <a:latin typeface="+mn-lt"/>
+        <a:ea typeface="+mn-ea"/>
+        <a:cs typeface="+mn-cs"/>
+      </a:defRPr>
+    </a:lvl6pPr>
+    <a:lvl7pPr marL="2743200" algn="l" defTabSz="914400" rtl="0" eaLnBrk="1" latinLnBrk="0" hangingPunct="1">
+      <a:defRPr sz="1200" kern="1200">
+        <a:solidFill>
+          <a:schemeClr val="tx1"/>
+        </a:solidFill>
+        <a:latin typeface="+mn-lt"/>
+        <a:ea typeface="+mn-ea"/>
+        <a:cs typeface="+mn-cs"/>
+      </a:defRPr>
+    </a:lvl7pPr>
+    <a:lvl8pPr marL="3200400" algn="l" defTabSz="914400" rtl="0" eaLnBrk="1" latinLnBrk="0" hangingPunct="1">
+      <a:defRPr sz="1200" kern="1200">
+        <a:solidFill>
+          <a:schemeClr val="tx1"/>
+        </a:solidFill>
+        <a:latin typeface="+mn-lt"/>
+        <a:ea typeface="+mn-ea"/>
+        <a:cs typeface="+mn-cs"/>
+      </a:defRPr>
+    </a:lvl8pPr>
+    <a:lvl9pPr marL="3657600" algn="l" defTabSz="914400" rtl="0" eaLnBrk="1" latinLnBrk="0" hangingPunct="1">
+      <a:defRPr sz="1200" kern="1200">
+        <a:solidFill>
+          <a:schemeClr val="tx1"/>
+        </a:solidFill>
+        <a:latin typeface="+mn-lt"/>
+        <a:ea typeface="+mn-ea"/>
+        <a:cs typeface="+mn-cs"/>
+      </a:defRPr>
+    </a:lvl9pPr>
+  </p:notesStyle>
+</p:notesMaster>
+</file>
+
+<file path=ppt/notesSlides/notesSlide1.xml><?xml version="1.0" encoding="utf-8"?>
+<p:notes xmlns:a="http://schemas.openxmlformats.org/drawingml/2006/main" xmlns:r="http://schemas.openxmlformats.org/officeDocument/2006/relationships" xmlns:p="http://schemas.openxmlformats.org/presentationml/2006/main">
+  <p:cSld>
+    <p:spTree>
+      <p:nvGrpSpPr>
+        <p:cNvPr id="1" name=""/>
+        <p:cNvGrpSpPr/>
+        <p:nvPr/>
+      </p:nvGrpSpPr>
+      <p:grpSpPr>
+        <a:xfrm>
+          <a:off x="0" y="0"/>
+          <a:ext cx="0" cy="0"/>
+          <a:chOff x="0" y="0"/>
+          <a:chExt cx="0" cy="0"/>
+        </a:xfrm>
+      </p:grpSpPr>
+      <p:sp>
+        <p:nvSpPr>
+          <p:cNvPr id="2" name="Slide Image Placeholder 1"/>
+          <p:cNvSpPr>
+            <a:spLocks noGrp="1" noRot="1" noChangeAspect="1"/>
+          </p:cNvSpPr>
+          <p:nvPr>
+            <p:ph type="sldImg"/>
+          </p:nvPr>
+        </p:nvSpPr>
+        <p:spPr/>
+      </p:sp>
+      <p:sp>
+        <p:nvSpPr>
+          <p:cNvPr id="3" name="Notes Placeholder 2"/>
+          <p:cNvSpPr>
+            <a:spLocks noGrp="1"/>
+          </p:cNvSpPr>
+          <p:nvPr>
+            <p:ph type="body" idx="1"/>
+          </p:nvPr>
+        </p:nvSpPr>
+        <p:spPr/>
+        <p:txBody>
+          <a:bodyPr/>
+          <a:lstStyle/>
+          <a:p>
+            <a:r>
+              <a:rPr lang="en-US" dirty="0"/>
+              <a:t>In the later group decomposition for regions, non-east means the rest of China excluding the eastern area. </a:t>
+            </a:r>
+          </a:p>
+        </p:txBody>
+      </p:sp>
+      <p:sp>
+        <p:nvSpPr>
+          <p:cNvPr id="4" name="Slide Number Placeholder 3"/>
+          <p:cNvSpPr>
+            <a:spLocks noGrp="1"/>
+          </p:cNvSpPr>
+          <p:nvPr>
+            <p:ph type="sldNum" sz="quarter" idx="5"/>
+          </p:nvPr>
+        </p:nvSpPr>
+        <p:spPr/>
+        <p:txBody>
+          <a:bodyPr/>
+          <a:lstStyle/>
+          <a:p>
+            <a:fld id="{D5E80025-6764-4A1B-AFC1-BE371809C83A}" type="slidenum">
+              <a:rPr lang="en-US" smtClean="0"/>
+              <a:t>8</a:t>
+            </a:fld>
+            <a:endParaRPr lang="en-US"/>
+          </a:p>
+        </p:txBody>
+      </p:sp>
+    </p:spTree>
+    <p:extLst>
+      <p:ext uri="{BB962C8B-B14F-4D97-AF65-F5344CB8AC3E}">
+        <p14:creationId xmlns:p14="http://schemas.microsoft.com/office/powerpoint/2010/main" val="765876873"/>
+      </p:ext>
+    </p:extLst>
+  </p:cSld>
+  <p:clrMapOvr>
+    <a:masterClrMapping/>
+  </p:clrMapOvr>
+</p:notes>
+</file>
+
+<file path=ppt/notesSlides/notesSlide2.xml><?xml version="1.0" encoding="utf-8"?>
+<p:notes xmlns:a="http://schemas.openxmlformats.org/drawingml/2006/main" xmlns:r="http://schemas.openxmlformats.org/officeDocument/2006/relationships" xmlns:p="http://schemas.openxmlformats.org/presentationml/2006/main">
+  <p:cSld>
+    <p:spTree>
+      <p:nvGrpSpPr>
+        <p:cNvPr id="1" name=""/>
+        <p:cNvGrpSpPr/>
+        <p:nvPr/>
+      </p:nvGrpSpPr>
+      <p:grpSpPr>
+        <a:xfrm>
+          <a:off x="0" y="0"/>
+          <a:ext cx="0" cy="0"/>
+          <a:chOff x="0" y="0"/>
+          <a:chExt cx="0" cy="0"/>
+        </a:xfrm>
+      </p:grpSpPr>
+      <p:sp>
+        <p:nvSpPr>
+          <p:cNvPr id="2" name="Slide Image Placeholder 1"/>
+          <p:cNvSpPr>
+            <a:spLocks noGrp="1" noRot="1" noChangeAspect="1"/>
+          </p:cNvSpPr>
+          <p:nvPr>
+            <p:ph type="sldImg"/>
+          </p:nvPr>
+        </p:nvSpPr>
+        <p:spPr/>
+      </p:sp>
+      <p:sp>
+        <p:nvSpPr>
+          <p:cNvPr id="3" name="Notes Placeholder 2"/>
+          <p:cNvSpPr>
+            <a:spLocks noGrp="1"/>
+          </p:cNvSpPr>
+          <p:nvPr>
+            <p:ph type="body" idx="1"/>
+          </p:nvPr>
+        </p:nvSpPr>
+        <p:spPr/>
+        <p:txBody>
+          <a:bodyPr/>
+          <a:lstStyle/>
+          <a:p>
+            <a:r>
+              <a:rPr lang="en-US" dirty="0"/>
+              <a:t>Share of the source, Gini coefficient of a particular source of wealth, and correlation between the source and the rank of overall wealth. </a:t>
+            </a:r>
+          </a:p>
+          <a:p>
+            <a:endParaRPr lang="en-US" dirty="0"/>
+          </a:p>
+          <a:p>
+            <a:endParaRPr lang="en-US" dirty="0"/>
+          </a:p>
+        </p:txBody>
+      </p:sp>
+      <p:sp>
+        <p:nvSpPr>
+          <p:cNvPr id="4" name="Slide Number Placeholder 3"/>
+          <p:cNvSpPr>
+            <a:spLocks noGrp="1"/>
+          </p:cNvSpPr>
+          <p:nvPr>
+            <p:ph type="sldNum" sz="quarter" idx="5"/>
+          </p:nvPr>
+        </p:nvSpPr>
+        <p:spPr/>
+        <p:txBody>
+          <a:bodyPr/>
+          <a:lstStyle/>
+          <a:p>
+            <a:fld id="{D5E80025-6764-4A1B-AFC1-BE371809C83A}" type="slidenum">
+              <a:rPr lang="en-US" smtClean="0"/>
+              <a:t>10</a:t>
+            </a:fld>
+            <a:endParaRPr lang="en-US"/>
+          </a:p>
+        </p:txBody>
+      </p:sp>
+    </p:spTree>
+    <p:extLst>
+      <p:ext uri="{BB962C8B-B14F-4D97-AF65-F5344CB8AC3E}">
+        <p14:creationId xmlns:p14="http://schemas.microsoft.com/office/powerpoint/2010/main" val="2474511834"/>
+      </p:ext>
+    </p:extLst>
+  </p:cSld>
+  <p:clrMapOvr>
+    <a:masterClrMapping/>
+  </p:clrMapOvr>
+</p:notes>
+</file>
+
+<file path=ppt/notesSlides/notesSlide3.xml><?xml version="1.0" encoding="utf-8"?>
+<p:notes xmlns:a="http://schemas.openxmlformats.org/drawingml/2006/main" xmlns:r="http://schemas.openxmlformats.org/officeDocument/2006/relationships" xmlns:p="http://schemas.openxmlformats.org/presentationml/2006/main">
+  <p:cSld>
+    <p:spTree>
+      <p:nvGrpSpPr>
+        <p:cNvPr id="1" name=""/>
+        <p:cNvGrpSpPr/>
+        <p:nvPr/>
+      </p:nvGrpSpPr>
+      <p:grpSpPr>
+        <a:xfrm>
+          <a:off x="0" y="0"/>
+          <a:ext cx="0" cy="0"/>
+          <a:chOff x="0" y="0"/>
+          <a:chExt cx="0" cy="0"/>
+        </a:xfrm>
+      </p:grpSpPr>
+      <p:sp>
+        <p:nvSpPr>
+          <p:cNvPr id="2" name="Slide Image Placeholder 1"/>
+          <p:cNvSpPr>
+            <a:spLocks noGrp="1" noRot="1" noChangeAspect="1"/>
+          </p:cNvSpPr>
+          <p:nvPr>
+            <p:ph type="sldImg"/>
+          </p:nvPr>
+        </p:nvSpPr>
+        <p:spPr/>
+      </p:sp>
+      <p:sp>
+        <p:nvSpPr>
+          <p:cNvPr id="3" name="Notes Placeholder 2"/>
+          <p:cNvSpPr>
+            <a:spLocks noGrp="1"/>
+          </p:cNvSpPr>
+          <p:nvPr>
+            <p:ph type="body" idx="1"/>
+          </p:nvPr>
+        </p:nvSpPr>
+        <p:spPr/>
+        <p:txBody>
+          <a:bodyPr/>
+          <a:lstStyle/>
+          <a:p>
+            <a:r>
+              <a:rPr lang="en-US" dirty="0"/>
+              <a:t>To answer the first research question: whether China’s inequality has peaked around 2010 and moderated since then. The summary statistics here generally supports this earlier observation, especially for wealth inequality. </a:t>
+            </a:r>
+          </a:p>
+          <a:p>
+            <a:endParaRPr lang="en-US" dirty="0"/>
+          </a:p>
+          <a:p>
+            <a:r>
+              <a:rPr lang="en-US" dirty="0"/>
+              <a:t>All the figures are in 2017 RMB. </a:t>
+            </a:r>
+          </a:p>
+        </p:txBody>
+      </p:sp>
+      <p:sp>
+        <p:nvSpPr>
+          <p:cNvPr id="4" name="Slide Number Placeholder 3"/>
+          <p:cNvSpPr>
+            <a:spLocks noGrp="1"/>
+          </p:cNvSpPr>
+          <p:nvPr>
+            <p:ph type="sldNum" sz="quarter" idx="5"/>
+          </p:nvPr>
+        </p:nvSpPr>
+        <p:spPr/>
+        <p:txBody>
+          <a:bodyPr/>
+          <a:lstStyle/>
+          <a:p>
+            <a:fld id="{D5E80025-6764-4A1B-AFC1-BE371809C83A}" type="slidenum">
+              <a:rPr lang="en-US" smtClean="0"/>
+              <a:t>11</a:t>
+            </a:fld>
+            <a:endParaRPr lang="en-US"/>
+          </a:p>
+        </p:txBody>
+      </p:sp>
+    </p:spTree>
+    <p:extLst>
+      <p:ext uri="{BB962C8B-B14F-4D97-AF65-F5344CB8AC3E}">
+        <p14:creationId xmlns:p14="http://schemas.microsoft.com/office/powerpoint/2010/main" val="2079747184"/>
+      </p:ext>
+    </p:extLst>
+  </p:cSld>
+  <p:clrMapOvr>
+    <a:masterClrMapping/>
+  </p:clrMapOvr>
+</p:notes>
+</file>
+
+<file path=ppt/notesSlides/notesSlide4.xml><?xml version="1.0" encoding="utf-8"?>
+<p:notes xmlns:a="http://schemas.openxmlformats.org/drawingml/2006/main" xmlns:r="http://schemas.openxmlformats.org/officeDocument/2006/relationships" xmlns:p="http://schemas.openxmlformats.org/presentationml/2006/main">
+  <p:cSld>
+    <p:spTree>
+      <p:nvGrpSpPr>
+        <p:cNvPr id="1" name=""/>
+        <p:cNvGrpSpPr/>
+        <p:nvPr/>
+      </p:nvGrpSpPr>
+      <p:grpSpPr>
+        <a:xfrm>
+          <a:off x="0" y="0"/>
+          <a:ext cx="0" cy="0"/>
+          <a:chOff x="0" y="0"/>
+          <a:chExt cx="0" cy="0"/>
+        </a:xfrm>
+      </p:grpSpPr>
+      <p:sp>
+        <p:nvSpPr>
+          <p:cNvPr id="2" name="Slide Image Placeholder 1"/>
+          <p:cNvSpPr>
+            <a:spLocks noGrp="1" noRot="1" noChangeAspect="1"/>
+          </p:cNvSpPr>
+          <p:nvPr>
+            <p:ph type="sldImg"/>
+          </p:nvPr>
+        </p:nvSpPr>
+        <p:spPr/>
+      </p:sp>
+      <p:sp>
+        <p:nvSpPr>
+          <p:cNvPr id="3" name="Notes Placeholder 2"/>
+          <p:cNvSpPr>
+            <a:spLocks noGrp="1"/>
+          </p:cNvSpPr>
+          <p:nvPr>
+            <p:ph type="body" idx="1"/>
+          </p:nvPr>
+        </p:nvSpPr>
+        <p:spPr/>
+        <p:txBody>
+          <a:bodyPr/>
+          <a:lstStyle/>
+          <a:p>
+            <a:r>
+              <a:rPr lang="en-US" dirty="0"/>
+              <a:t>Before we get into the decomposition, here is the summary statistics of the various sources of wealth. </a:t>
+            </a:r>
+          </a:p>
+          <a:p>
+            <a:endParaRPr lang="en-US" dirty="0"/>
+          </a:p>
+          <a:p>
+            <a:r>
+              <a:rPr lang="en-US" dirty="0"/>
+              <a:t>This is contrary to some narratives that China’s economy completely depends on real estate. It’s actually not true right. In the rural area, the older generation simply built their own houses on their distributed land. In the city, a lot of people got free houses when the government took away their land. </a:t>
+            </a:r>
+          </a:p>
+          <a:p>
+            <a:endParaRPr lang="en-US" dirty="0"/>
+          </a:p>
+          <a:p>
+            <a:r>
+              <a:rPr lang="en-US" dirty="0"/>
+              <a:t>The inequality of housing distribution is high, but the distribution is quite wide, just like rural land. We will see. </a:t>
+            </a:r>
+          </a:p>
+        </p:txBody>
+      </p:sp>
+      <p:sp>
+        <p:nvSpPr>
+          <p:cNvPr id="4" name="Slide Number Placeholder 3"/>
+          <p:cNvSpPr>
+            <a:spLocks noGrp="1"/>
+          </p:cNvSpPr>
+          <p:nvPr>
+            <p:ph type="sldNum" sz="quarter" idx="5"/>
+          </p:nvPr>
+        </p:nvSpPr>
+        <p:spPr/>
+        <p:txBody>
+          <a:bodyPr/>
+          <a:lstStyle/>
+          <a:p>
+            <a:fld id="{D5E80025-6764-4A1B-AFC1-BE371809C83A}" type="slidenum">
+              <a:rPr lang="en-US" smtClean="0"/>
+              <a:t>12</a:t>
+            </a:fld>
+            <a:endParaRPr lang="en-US"/>
+          </a:p>
+        </p:txBody>
+      </p:sp>
+    </p:spTree>
+    <p:extLst>
+      <p:ext uri="{BB962C8B-B14F-4D97-AF65-F5344CB8AC3E}">
+        <p14:creationId xmlns:p14="http://schemas.microsoft.com/office/powerpoint/2010/main" val="2165712055"/>
+      </p:ext>
+    </p:extLst>
+  </p:cSld>
+  <p:clrMapOvr>
+    <a:masterClrMapping/>
+  </p:clrMapOvr>
+</p:notes>
+</file>
+
+<file path=ppt/notesSlides/notesSlide5.xml><?xml version="1.0" encoding="utf-8"?>
+<p:notes xmlns:a="http://schemas.openxmlformats.org/drawingml/2006/main" xmlns:r="http://schemas.openxmlformats.org/officeDocument/2006/relationships" xmlns:p="http://schemas.openxmlformats.org/presentationml/2006/main">
+  <p:cSld>
+    <p:spTree>
+      <p:nvGrpSpPr>
+        <p:cNvPr id="1" name=""/>
+        <p:cNvGrpSpPr/>
+        <p:nvPr/>
+      </p:nvGrpSpPr>
+      <p:grpSpPr>
+        <a:xfrm>
+          <a:off x="0" y="0"/>
+          <a:ext cx="0" cy="0"/>
+          <a:chOff x="0" y="0"/>
+          <a:chExt cx="0" cy="0"/>
+        </a:xfrm>
+      </p:grpSpPr>
+      <p:sp>
+        <p:nvSpPr>
+          <p:cNvPr id="2" name="Slide Image Placeholder 1"/>
+          <p:cNvSpPr>
+            <a:spLocks noGrp="1" noRot="1" noChangeAspect="1"/>
+          </p:cNvSpPr>
+          <p:nvPr>
+            <p:ph type="sldImg"/>
+          </p:nvPr>
+        </p:nvSpPr>
+        <p:spPr/>
+      </p:sp>
+      <p:sp>
+        <p:nvSpPr>
+          <p:cNvPr id="3" name="Notes Placeholder 2"/>
+          <p:cNvSpPr>
+            <a:spLocks noGrp="1"/>
+          </p:cNvSpPr>
+          <p:nvPr>
+            <p:ph type="body" idx="1"/>
+          </p:nvPr>
+        </p:nvSpPr>
+        <p:spPr/>
+        <p:txBody>
+          <a:bodyPr/>
+          <a:lstStyle/>
+          <a:p>
+            <a:r>
+              <a:rPr lang="en-US" dirty="0"/>
+              <a:t>I am just presenting the 2019 results. The 2017 one is similar and it’s in my paper. </a:t>
+            </a:r>
+          </a:p>
+        </p:txBody>
+      </p:sp>
+      <p:sp>
+        <p:nvSpPr>
+          <p:cNvPr id="4" name="Slide Number Placeholder 3"/>
+          <p:cNvSpPr>
+            <a:spLocks noGrp="1"/>
+          </p:cNvSpPr>
+          <p:nvPr>
+            <p:ph type="sldNum" sz="quarter" idx="5"/>
+          </p:nvPr>
+        </p:nvSpPr>
+        <p:spPr/>
+        <p:txBody>
+          <a:bodyPr/>
+          <a:lstStyle/>
+          <a:p>
+            <a:fld id="{D5E80025-6764-4A1B-AFC1-BE371809C83A}" type="slidenum">
+              <a:rPr lang="en-US" smtClean="0"/>
+              <a:t>13</a:t>
+            </a:fld>
+            <a:endParaRPr lang="en-US"/>
+          </a:p>
+        </p:txBody>
+      </p:sp>
+    </p:spTree>
+    <p:extLst>
+      <p:ext uri="{BB962C8B-B14F-4D97-AF65-F5344CB8AC3E}">
+        <p14:creationId xmlns:p14="http://schemas.microsoft.com/office/powerpoint/2010/main" val="2238449972"/>
+      </p:ext>
+    </p:extLst>
+  </p:cSld>
+  <p:clrMapOvr>
+    <a:masterClrMapping/>
+  </p:clrMapOvr>
+</p:notes>
+</file>
+
+<file path=ppt/notesSlides/notesSlide6.xml><?xml version="1.0" encoding="utf-8"?>
+<p:notes xmlns:a="http://schemas.openxmlformats.org/drawingml/2006/main" xmlns:r="http://schemas.openxmlformats.org/officeDocument/2006/relationships" xmlns:p="http://schemas.openxmlformats.org/presentationml/2006/main">
+  <p:cSld>
+    <p:spTree>
+      <p:nvGrpSpPr>
+        <p:cNvPr id="1" name=""/>
+        <p:cNvGrpSpPr/>
+        <p:nvPr/>
+      </p:nvGrpSpPr>
+      <p:grpSpPr>
+        <a:xfrm>
+          <a:off x="0" y="0"/>
+          <a:ext cx="0" cy="0"/>
+          <a:chOff x="0" y="0"/>
+          <a:chExt cx="0" cy="0"/>
+        </a:xfrm>
+      </p:grpSpPr>
+      <p:sp>
+        <p:nvSpPr>
+          <p:cNvPr id="2" name="Slide Image Placeholder 1"/>
+          <p:cNvSpPr>
+            <a:spLocks noGrp="1" noRot="1" noChangeAspect="1"/>
+          </p:cNvSpPr>
+          <p:nvPr>
+            <p:ph type="sldImg"/>
+          </p:nvPr>
+        </p:nvSpPr>
+        <p:spPr/>
+      </p:sp>
+      <p:sp>
+        <p:nvSpPr>
+          <p:cNvPr id="3" name="Notes Placeholder 2"/>
+          <p:cNvSpPr>
+            <a:spLocks noGrp="1"/>
+          </p:cNvSpPr>
+          <p:nvPr>
+            <p:ph type="body" idx="1"/>
+          </p:nvPr>
+        </p:nvSpPr>
+        <p:spPr/>
+        <p:txBody>
+          <a:bodyPr/>
+          <a:lstStyle/>
+          <a:p>
+            <a:r>
+              <a:rPr lang="en-US" dirty="0"/>
+              <a:t>To understand the heterogeneity of wealth inequality between urban and rural areas, the factor decompositions are conducted on the urban and rural sample respectively. </a:t>
+            </a:r>
+          </a:p>
+        </p:txBody>
+      </p:sp>
+      <p:sp>
+        <p:nvSpPr>
+          <p:cNvPr id="4" name="Slide Number Placeholder 3"/>
+          <p:cNvSpPr>
+            <a:spLocks noGrp="1"/>
+          </p:cNvSpPr>
+          <p:nvPr>
+            <p:ph type="sldNum" sz="quarter" idx="5"/>
+          </p:nvPr>
+        </p:nvSpPr>
+        <p:spPr/>
+        <p:txBody>
+          <a:bodyPr/>
+          <a:lstStyle/>
+          <a:p>
+            <a:fld id="{D5E80025-6764-4A1B-AFC1-BE371809C83A}" type="slidenum">
+              <a:rPr lang="en-US" smtClean="0"/>
+              <a:t>14</a:t>
+            </a:fld>
+            <a:endParaRPr lang="en-US"/>
+          </a:p>
+        </p:txBody>
+      </p:sp>
+    </p:spTree>
+    <p:extLst>
+      <p:ext uri="{BB962C8B-B14F-4D97-AF65-F5344CB8AC3E}">
+        <p14:creationId xmlns:p14="http://schemas.microsoft.com/office/powerpoint/2010/main" val="498068978"/>
+      </p:ext>
+    </p:extLst>
+  </p:cSld>
+  <p:clrMapOvr>
+    <a:masterClrMapping/>
+  </p:clrMapOvr>
+</p:notes>
+</file>
+
+<file path=ppt/notesSlides/notesSlide7.xml><?xml version="1.0" encoding="utf-8"?>
+<p:notes xmlns:a="http://schemas.openxmlformats.org/drawingml/2006/main" xmlns:r="http://schemas.openxmlformats.org/officeDocument/2006/relationships" xmlns:p="http://schemas.openxmlformats.org/presentationml/2006/main">
+  <p:cSld>
+    <p:spTree>
+      <p:nvGrpSpPr>
+        <p:cNvPr id="1" name=""/>
+        <p:cNvGrpSpPr/>
+        <p:nvPr/>
+      </p:nvGrpSpPr>
+      <p:grpSpPr>
+        <a:xfrm>
+          <a:off x="0" y="0"/>
+          <a:ext cx="0" cy="0"/>
+          <a:chOff x="0" y="0"/>
+          <a:chExt cx="0" cy="0"/>
+        </a:xfrm>
+      </p:grpSpPr>
+      <p:sp>
+        <p:nvSpPr>
+          <p:cNvPr id="2" name="Slide Image Placeholder 1"/>
+          <p:cNvSpPr>
+            <a:spLocks noGrp="1" noRot="1" noChangeAspect="1"/>
+          </p:cNvSpPr>
+          <p:nvPr>
+            <p:ph type="sldImg"/>
+          </p:nvPr>
+        </p:nvSpPr>
+        <p:spPr/>
+      </p:sp>
+      <p:sp>
+        <p:nvSpPr>
+          <p:cNvPr id="3" name="Notes Placeholder 2"/>
+          <p:cNvSpPr>
+            <a:spLocks noGrp="1"/>
+          </p:cNvSpPr>
+          <p:nvPr>
+            <p:ph type="body" idx="1"/>
+          </p:nvPr>
+        </p:nvSpPr>
+        <p:spPr/>
+        <p:txBody>
+          <a:bodyPr/>
+          <a:lstStyle/>
+          <a:p>
+            <a:r>
+              <a:rPr lang="en-US" dirty="0"/>
+              <a:t>In the </a:t>
+            </a:r>
+            <a:r>
+              <a:rPr lang="en-US" dirty="0" err="1"/>
+              <a:t>estern</a:t>
+            </a:r>
+            <a:r>
+              <a:rPr lang="en-US" dirty="0"/>
+              <a:t> costal area, we can safely claim that  “ the housing inequality is really the wealth inequality” </a:t>
+            </a:r>
+          </a:p>
+          <a:p>
+            <a:endParaRPr lang="en-US" dirty="0"/>
+          </a:p>
+          <a:p>
+            <a:r>
+              <a:rPr lang="en-US" dirty="0"/>
+              <a:t>Which could be because housing is more affordable and people accumulate more financial wealth in their portfolio. </a:t>
+            </a:r>
+          </a:p>
+        </p:txBody>
+      </p:sp>
+      <p:sp>
+        <p:nvSpPr>
+          <p:cNvPr id="4" name="Slide Number Placeholder 3"/>
+          <p:cNvSpPr>
+            <a:spLocks noGrp="1"/>
+          </p:cNvSpPr>
+          <p:nvPr>
+            <p:ph type="sldNum" sz="quarter" idx="5"/>
+          </p:nvPr>
+        </p:nvSpPr>
+        <p:spPr/>
+        <p:txBody>
+          <a:bodyPr/>
+          <a:lstStyle/>
+          <a:p>
+            <a:fld id="{D5E80025-6764-4A1B-AFC1-BE371809C83A}" type="slidenum">
+              <a:rPr lang="en-US" smtClean="0"/>
+              <a:t>15</a:t>
+            </a:fld>
+            <a:endParaRPr lang="en-US"/>
+          </a:p>
+        </p:txBody>
+      </p:sp>
+    </p:spTree>
+    <p:extLst>
+      <p:ext uri="{BB962C8B-B14F-4D97-AF65-F5344CB8AC3E}">
+        <p14:creationId xmlns:p14="http://schemas.microsoft.com/office/powerpoint/2010/main" val="2232921790"/>
+      </p:ext>
+    </p:extLst>
+  </p:cSld>
+  <p:clrMapOvr>
+    <a:masterClrMapping/>
+  </p:clrMapOvr>
+</p:notes>
+</file>
+
+<file path=ppt/notesSlides/notesSlide8.xml><?xml version="1.0" encoding="utf-8"?>
+<p:notes xmlns:a="http://schemas.openxmlformats.org/drawingml/2006/main" xmlns:r="http://schemas.openxmlformats.org/officeDocument/2006/relationships" xmlns:p="http://schemas.openxmlformats.org/presentationml/2006/main">
+  <p:cSld>
+    <p:spTree>
+      <p:nvGrpSpPr>
+        <p:cNvPr id="1" name=""/>
+        <p:cNvGrpSpPr/>
+        <p:nvPr/>
+      </p:nvGrpSpPr>
+      <p:grpSpPr>
+        <a:xfrm>
+          <a:off x="0" y="0"/>
+          <a:ext cx="0" cy="0"/>
+          <a:chOff x="0" y="0"/>
+          <a:chExt cx="0" cy="0"/>
+        </a:xfrm>
+      </p:grpSpPr>
+      <p:sp>
+        <p:nvSpPr>
+          <p:cNvPr id="2" name="Slide Image Placeholder 1"/>
+          <p:cNvSpPr>
+            <a:spLocks noGrp="1" noRot="1" noChangeAspect="1"/>
+          </p:cNvSpPr>
+          <p:nvPr>
+            <p:ph type="sldImg"/>
+          </p:nvPr>
+        </p:nvSpPr>
+        <p:spPr/>
+      </p:sp>
+      <p:sp>
+        <p:nvSpPr>
+          <p:cNvPr id="3" name="Notes Placeholder 2"/>
+          <p:cNvSpPr>
+            <a:spLocks noGrp="1"/>
+          </p:cNvSpPr>
+          <p:nvPr>
+            <p:ph type="body" idx="1"/>
+          </p:nvPr>
+        </p:nvSpPr>
+        <p:spPr/>
+        <p:txBody>
+          <a:bodyPr/>
+          <a:lstStyle/>
+          <a:p>
+            <a:r>
+              <a:rPr lang="en-US" dirty="0"/>
+              <a:t>To understand the contribution of urban/rural and regional disparity to the national wealth inequality, group decompositions are performed on the respective subgroups. </a:t>
+            </a:r>
+          </a:p>
+        </p:txBody>
+      </p:sp>
+      <p:sp>
+        <p:nvSpPr>
+          <p:cNvPr id="4" name="Slide Number Placeholder 3"/>
+          <p:cNvSpPr>
+            <a:spLocks noGrp="1"/>
+          </p:cNvSpPr>
+          <p:nvPr>
+            <p:ph type="sldNum" sz="quarter" idx="5"/>
+          </p:nvPr>
+        </p:nvSpPr>
+        <p:spPr/>
+        <p:txBody>
+          <a:bodyPr/>
+          <a:lstStyle/>
+          <a:p>
+            <a:fld id="{D5E80025-6764-4A1B-AFC1-BE371809C83A}" type="slidenum">
+              <a:rPr lang="en-US" smtClean="0"/>
+              <a:t>16</a:t>
+            </a:fld>
+            <a:endParaRPr lang="en-US"/>
+          </a:p>
+        </p:txBody>
+      </p:sp>
+    </p:spTree>
+    <p:extLst>
+      <p:ext uri="{BB962C8B-B14F-4D97-AF65-F5344CB8AC3E}">
+        <p14:creationId xmlns:p14="http://schemas.microsoft.com/office/powerpoint/2010/main" val="2429199260"/>
+      </p:ext>
+    </p:extLst>
+  </p:cSld>
+  <p:clrMapOvr>
+    <a:masterClrMapping/>
+  </p:clrMapOvr>
+</p:notes>
+</file>
+
+<file path=ppt/notesSlides/notesSlide9.xml><?xml version="1.0" encoding="utf-8"?>
+<p:notes xmlns:a="http://schemas.openxmlformats.org/drawingml/2006/main" xmlns:r="http://schemas.openxmlformats.org/officeDocument/2006/relationships" xmlns:p="http://schemas.openxmlformats.org/presentationml/2006/main">
+  <p:cSld>
+    <p:spTree>
+      <p:nvGrpSpPr>
+        <p:cNvPr id="1" name=""/>
+        <p:cNvGrpSpPr/>
+        <p:nvPr/>
+      </p:nvGrpSpPr>
+      <p:grpSpPr>
+        <a:xfrm>
+          <a:off x="0" y="0"/>
+          <a:ext cx="0" cy="0"/>
+          <a:chOff x="0" y="0"/>
+          <a:chExt cx="0" cy="0"/>
+        </a:xfrm>
+      </p:grpSpPr>
+      <p:sp>
+        <p:nvSpPr>
+          <p:cNvPr id="2" name="Slide Image Placeholder 1"/>
+          <p:cNvSpPr>
+            <a:spLocks noGrp="1" noRot="1" noChangeAspect="1"/>
+          </p:cNvSpPr>
+          <p:nvPr>
+            <p:ph type="sldImg"/>
+          </p:nvPr>
+        </p:nvSpPr>
+        <p:spPr/>
+      </p:sp>
+      <p:sp>
+        <p:nvSpPr>
+          <p:cNvPr id="3" name="Notes Placeholder 2"/>
+          <p:cNvSpPr>
+            <a:spLocks noGrp="1"/>
+          </p:cNvSpPr>
+          <p:nvPr>
+            <p:ph type="body" idx="1"/>
+          </p:nvPr>
+        </p:nvSpPr>
+        <p:spPr/>
+        <p:txBody>
+          <a:bodyPr/>
+          <a:lstStyle/>
+          <a:p>
+            <a:endParaRPr lang="en-US" dirty="0"/>
+          </a:p>
+        </p:txBody>
+      </p:sp>
+      <p:sp>
+        <p:nvSpPr>
+          <p:cNvPr id="4" name="Slide Number Placeholder 3"/>
+          <p:cNvSpPr>
+            <a:spLocks noGrp="1"/>
+          </p:cNvSpPr>
+          <p:nvPr>
+            <p:ph type="sldNum" sz="quarter" idx="5"/>
+          </p:nvPr>
+        </p:nvSpPr>
+        <p:spPr/>
+        <p:txBody>
+          <a:bodyPr/>
+          <a:lstStyle/>
+          <a:p>
+            <a:fld id="{D5E80025-6764-4A1B-AFC1-BE371809C83A}" type="slidenum">
+              <a:rPr lang="en-US" smtClean="0"/>
+              <a:t>17</a:t>
+            </a:fld>
+            <a:endParaRPr lang="en-US"/>
+          </a:p>
+        </p:txBody>
+      </p:sp>
+    </p:spTree>
+    <p:extLst>
+      <p:ext uri="{BB962C8B-B14F-4D97-AF65-F5344CB8AC3E}">
+        <p14:creationId xmlns:p14="http://schemas.microsoft.com/office/powerpoint/2010/main" val="3140528872"/>
+      </p:ext>
+    </p:extLst>
+  </p:cSld>
+  <p:clrMapOvr>
+    <a:masterClrMapping/>
+  </p:clrMapOvr>
+</p:notes>
 </file>
 
 <file path=ppt/slideLayouts/slideLayout1.xml><?xml version="1.0" encoding="utf-8"?>
@@ -272,7 +1459,7 @@
           <a:p>
             <a:fld id="{C3DBBCA9-CCAD-481D-B7C9-A1E93F87B360}" type="datetimeFigureOut">
               <a:rPr lang="en-US" smtClean="0"/>
-              <a:t>5/7/2025</a:t>
+              <a:t>5/12/2025</a:t>
             </a:fld>
             <a:endParaRPr lang="en-US"/>
           </a:p>
@@ -470,7 +1657,7 @@
           <a:p>
             <a:fld id="{C3DBBCA9-CCAD-481D-B7C9-A1E93F87B360}" type="datetimeFigureOut">
               <a:rPr lang="en-US" smtClean="0"/>
-              <a:t>5/7/2025</a:t>
+              <a:t>5/12/2025</a:t>
             </a:fld>
             <a:endParaRPr lang="en-US"/>
           </a:p>
@@ -678,7 +1865,7 @@
           <a:p>
             <a:fld id="{C3DBBCA9-CCAD-481D-B7C9-A1E93F87B360}" type="datetimeFigureOut">
               <a:rPr lang="en-US" smtClean="0"/>
-              <a:t>5/7/2025</a:t>
+              <a:t>5/12/2025</a:t>
             </a:fld>
             <a:endParaRPr lang="en-US"/>
           </a:p>
@@ -876,7 +2063,7 @@
           <a:p>
             <a:fld id="{C3DBBCA9-CCAD-481D-B7C9-A1E93F87B360}" type="datetimeFigureOut">
               <a:rPr lang="en-US" smtClean="0"/>
-              <a:t>5/7/2025</a:t>
+              <a:t>5/12/2025</a:t>
             </a:fld>
             <a:endParaRPr lang="en-US"/>
           </a:p>
@@ -1151,7 +2338,7 @@
           <a:p>
             <a:fld id="{C3DBBCA9-CCAD-481D-B7C9-A1E93F87B360}" type="datetimeFigureOut">
               <a:rPr lang="en-US" smtClean="0"/>
-              <a:t>5/7/2025</a:t>
+              <a:t>5/12/2025</a:t>
             </a:fld>
             <a:endParaRPr lang="en-US"/>
           </a:p>
@@ -1416,7 +2603,7 @@
           <a:p>
             <a:fld id="{C3DBBCA9-CCAD-481D-B7C9-A1E93F87B360}" type="datetimeFigureOut">
               <a:rPr lang="en-US" smtClean="0"/>
-              <a:t>5/7/2025</a:t>
+              <a:t>5/12/2025</a:t>
             </a:fld>
             <a:endParaRPr lang="en-US"/>
           </a:p>
@@ -1828,7 +3015,7 @@
           <a:p>
             <a:fld id="{C3DBBCA9-CCAD-481D-B7C9-A1E93F87B360}" type="datetimeFigureOut">
               <a:rPr lang="en-US" smtClean="0"/>
-              <a:t>5/7/2025</a:t>
+              <a:t>5/12/2025</a:t>
             </a:fld>
             <a:endParaRPr lang="en-US"/>
           </a:p>
@@ -1969,7 +3156,7 @@
           <a:p>
             <a:fld id="{C3DBBCA9-CCAD-481D-B7C9-A1E93F87B360}" type="datetimeFigureOut">
               <a:rPr lang="en-US" smtClean="0"/>
-              <a:t>5/7/2025</a:t>
+              <a:t>5/12/2025</a:t>
             </a:fld>
             <a:endParaRPr lang="en-US"/>
           </a:p>
@@ -2082,7 +3269,7 @@
           <a:p>
             <a:fld id="{C3DBBCA9-CCAD-481D-B7C9-A1E93F87B360}" type="datetimeFigureOut">
               <a:rPr lang="en-US" smtClean="0"/>
-              <a:t>5/7/2025</a:t>
+              <a:t>5/12/2025</a:t>
             </a:fld>
             <a:endParaRPr lang="en-US"/>
           </a:p>
@@ -2393,7 +3580,7 @@
           <a:p>
             <a:fld id="{C3DBBCA9-CCAD-481D-B7C9-A1E93F87B360}" type="datetimeFigureOut">
               <a:rPr lang="en-US" smtClean="0"/>
-              <a:t>5/7/2025</a:t>
+              <a:t>5/12/2025</a:t>
             </a:fld>
             <a:endParaRPr lang="en-US"/>
           </a:p>
@@ -2681,7 +3868,7 @@
           <a:p>
             <a:fld id="{C3DBBCA9-CCAD-481D-B7C9-A1E93F87B360}" type="datetimeFigureOut">
               <a:rPr lang="en-US" smtClean="0"/>
-              <a:t>5/7/2025</a:t>
+              <a:t>5/12/2025</a:t>
             </a:fld>
             <a:endParaRPr lang="en-US"/>
           </a:p>
@@ -2922,7 +4109,7 @@
           <a:p>
             <a:fld id="{C3DBBCA9-CCAD-481D-B7C9-A1E93F87B360}" type="datetimeFigureOut">
               <a:rPr lang="en-US" smtClean="0"/>
-              <a:t>5/7/2025</a:t>
+              <a:t>5/12/2025</a:t>
             </a:fld>
             <a:endParaRPr lang="en-US"/>
           </a:p>
@@ -3484,16 +4671,11 @@
           <a:p>
             <a:r>
               <a:rPr lang="en-US" dirty="0"/>
-              <a:t>Factor decomposition of Gini (Bhattacharya and </a:t>
-            </a:r>
-            <a:r>
-              <a:rPr lang="en-US" dirty="0" err="1"/>
-              <a:t>Mahalanobis</a:t>
-            </a:r>
-            <a:r>
-              <a:rPr lang="en-US" dirty="0"/>
-              <a:t>, 1967):</a:t>
-            </a:r>
+              <a:t>Factor decomposition of Gini (Lerman and Yitzhaki 1985):</a:t>
+            </a:r>
+          </a:p>
+          <a:p>
+            <a:endParaRPr lang="en-US" dirty="0"/>
           </a:p>
           <a:p>
             <a:endParaRPr lang="en-US" dirty="0"/>
@@ -3538,7 +4720,7 @@
           <p:nvPr/>
         </p:nvPicPr>
         <p:blipFill>
-          <a:blip r:embed="rId2">
+          <a:blip r:embed="rId3">
             <a:extLst>
               <a:ext uri="{28A0092B-C50C-407E-A947-70E740481C1C}">
                 <a14:useLocalDpi xmlns:a14="http://schemas.microsoft.com/office/drawing/2010/main" val="0"/>
@@ -3551,7 +4733,7 @@
         </p:blipFill>
         <p:spPr>
           <a:xfrm>
-            <a:off x="4886198" y="2452631"/>
+            <a:off x="5004764" y="2650453"/>
             <a:ext cx="2182472" cy="976369"/>
           </a:xfrm>
           <a:prstGeom prst="rect">
@@ -3574,7 +4756,7 @@
           <p:nvPr/>
         </p:nvPicPr>
         <p:blipFill>
-          <a:blip r:embed="rId3">
+          <a:blip r:embed="rId4">
             <a:extLst>
               <a:ext uri="{28A0092B-C50C-407E-A947-70E740481C1C}">
                 <a14:useLocalDpi xmlns:a14="http://schemas.microsoft.com/office/drawing/2010/main" val="0"/>
@@ -3587,7 +4769,7 @@
         </p:blipFill>
         <p:spPr>
           <a:xfrm>
-            <a:off x="4084262" y="4520614"/>
+            <a:off x="4084262" y="4453146"/>
             <a:ext cx="4023475" cy="1194684"/>
           </a:xfrm>
           <a:prstGeom prst="rect">
@@ -3721,7 +4903,7 @@
           </p:nvPr>
         </p:nvPicPr>
         <p:blipFill>
-          <a:blip r:embed="rId2">
+          <a:blip r:embed="rId3">
             <a:extLst>
               <a:ext uri="{28A0092B-C50C-407E-A947-70E740481C1C}">
                 <a14:useLocalDpi xmlns:a14="http://schemas.microsoft.com/office/drawing/2010/main" val="0"/>
@@ -3856,7 +5038,7 @@
           <p:nvPr/>
         </p:nvPicPr>
         <p:blipFill>
-          <a:blip r:embed="rId2">
+          <a:blip r:embed="rId3">
             <a:extLst>
               <a:ext uri="{28A0092B-C50C-407E-A947-70E740481C1C}">
                 <a14:useLocalDpi xmlns:a14="http://schemas.microsoft.com/office/drawing/2010/main" val="0"/>
@@ -3869,7 +5051,7 @@
         </p:blipFill>
         <p:spPr>
           <a:xfrm>
-            <a:off x="1945561" y="2429352"/>
+            <a:off x="2212261" y="2429352"/>
             <a:ext cx="8300877" cy="4428648"/>
           </a:xfrm>
           <a:prstGeom prst="rect">
@@ -3892,7 +5074,7 @@
         <p:spPr>
           <a:xfrm>
             <a:off x="838200" y="1506022"/>
-            <a:ext cx="11049000" cy="923330"/>
+            <a:ext cx="11049000" cy="646331"/>
           </a:xfrm>
           <a:prstGeom prst="rect">
             <a:avLst/>
@@ -3907,7 +5089,7 @@
           <a:p>
             <a:r>
               <a:rPr lang="en-US" dirty="0"/>
-              <a:t>Housing is over 70% of total wealth, consistent with earlier data. However, only 10% of the households do not have any housing assets. Meanwhile, only 18% of households have housing debt. Contrary to the common perception of China’s housing inequality. </a:t>
+              <a:t>Housing is over 70% of total wealth, consistent with earlier data. However, only 10% of the households do not have any housing assets. Meanwhile, only 18% of households have housing debt. </a:t>
             </a:r>
           </a:p>
         </p:txBody>
@@ -3987,7 +5169,7 @@
           </p:nvPr>
         </p:nvPicPr>
         <p:blipFill>
-          <a:blip r:embed="rId2">
+          <a:blip r:embed="rId3">
             <a:extLst>
               <a:ext uri="{28A0092B-C50C-407E-A947-70E740481C1C}">
                 <a14:useLocalDpi xmlns:a14="http://schemas.microsoft.com/office/drawing/2010/main" val="0"/>
@@ -4000,7 +5182,7 @@
         </p:blipFill>
         <p:spPr>
           <a:xfrm>
-            <a:off x="2423642" y="3121848"/>
+            <a:off x="2423642" y="3135916"/>
             <a:ext cx="7124695" cy="3658083"/>
           </a:xfrm>
         </p:spPr>
@@ -4122,7 +5304,7 @@
           <p:nvPr/>
         </p:nvPicPr>
         <p:blipFill>
-          <a:blip r:embed="rId2">
+          <a:blip r:embed="rId3">
             <a:extLst>
               <a:ext uri="{28A0092B-C50C-407E-A947-70E740481C1C}">
                 <a14:useLocalDpi xmlns:a14="http://schemas.microsoft.com/office/drawing/2010/main" val="0"/>
@@ -4135,7 +5317,7 @@
         </p:blipFill>
         <p:spPr>
           <a:xfrm>
-            <a:off x="5095400" y="1327554"/>
+            <a:off x="5095400" y="1344976"/>
             <a:ext cx="6801799" cy="2972215"/>
           </a:xfrm>
           <a:prstGeom prst="rect">
@@ -4158,7 +5340,7 @@
           <p:nvPr/>
         </p:nvPicPr>
         <p:blipFill>
-          <a:blip r:embed="rId3">
+          <a:blip r:embed="rId4">
             <a:extLst>
               <a:ext uri="{28A0092B-C50C-407E-A947-70E740481C1C}">
                 <a14:useLocalDpi xmlns:a14="http://schemas.microsoft.com/office/drawing/2010/main" val="0"/>
@@ -4333,7 +5515,7 @@
           </p:nvPr>
         </p:nvPicPr>
         <p:blipFill>
-          <a:blip r:embed="rId2">
+          <a:blip r:embed="rId3">
             <a:extLst>
               <a:ext uri="{28A0092B-C50C-407E-A947-70E740481C1C}">
                 <a14:useLocalDpi xmlns:a14="http://schemas.microsoft.com/office/drawing/2010/main" val="0"/>
@@ -4346,8 +5528,8 @@
         </p:blipFill>
         <p:spPr>
           <a:xfrm>
-            <a:off x="5094885" y="802127"/>
-            <a:ext cx="7097115" cy="3419952"/>
+            <a:off x="5323516" y="912299"/>
+            <a:ext cx="6868484" cy="3309779"/>
           </a:xfrm>
         </p:spPr>
       </p:pic>
@@ -4366,7 +5548,7 @@
           <p:nvPr/>
         </p:nvPicPr>
         <p:blipFill>
-          <a:blip r:embed="rId3">
+          <a:blip r:embed="rId4">
             <a:extLst>
               <a:ext uri="{28A0092B-C50C-407E-A947-70E740481C1C}">
                 <a14:useLocalDpi xmlns:a14="http://schemas.microsoft.com/office/drawing/2010/main" val="0"/>
@@ -4379,8 +5561,8 @@
         </p:blipFill>
         <p:spPr>
           <a:xfrm>
-            <a:off x="5094885" y="3654187"/>
-            <a:ext cx="6868484" cy="3410426"/>
+            <a:off x="5510151" y="3654187"/>
+            <a:ext cx="6453218" cy="3204233"/>
           </a:xfrm>
           <a:prstGeom prst="rect">
             <a:avLst/>
@@ -4402,7 +5584,7 @@
         <p:spPr>
           <a:xfrm>
             <a:off x="293511" y="1580444"/>
-            <a:ext cx="4707467" cy="3693319"/>
+            <a:ext cx="4707467" cy="4801314"/>
           </a:xfrm>
           <a:prstGeom prst="rect">
             <a:avLst/>
@@ -4429,10 +5611,7 @@
               <a:buFont typeface="Arial" panose="020B0604020202020204" pitchFamily="34" charset="0"/>
               <a:buChar char="•"/>
             </a:pPr>
-            <a:r>
-              <a:rPr lang="en-US" dirty="0"/>
-              <a:t>Land is trivial in the east but important in non-east regions.</a:t>
-            </a:r>
+            <a:endParaRPr lang="en-US" dirty="0"/>
           </a:p>
           <a:p>
             <a:pPr marL="285750" indent="-285750">
@@ -4441,7 +5620,7 @@
             </a:pPr>
             <a:r>
               <a:rPr lang="en-US" dirty="0"/>
-              <a:t>Financial assets are a more significant contributor to wealth inequality in non-Eastern than in Eastern countries, to our surprise. </a:t>
+              <a:t>Land is trivial in the east but important in non-east regions.</a:t>
             </a:r>
           </a:p>
           <a:p>
@@ -4449,10 +5628,41 @@
               <a:buFont typeface="Arial" panose="020B0604020202020204" pitchFamily="34" charset="0"/>
               <a:buChar char="•"/>
             </a:pPr>
+            <a:endParaRPr lang="en-US" dirty="0"/>
+          </a:p>
+          <a:p>
+            <a:pPr marL="285750" indent="-285750">
+              <a:buFont typeface="Arial" panose="020B0604020202020204" pitchFamily="34" charset="0"/>
+              <a:buChar char="•"/>
+            </a:pPr>
+            <a:r>
+              <a:rPr lang="en-US" dirty="0"/>
+              <a:t>Financial assets are a more significant contributor to wealth inequality in non-Eastern than in Eastern countries, to our surprise. </a:t>
+            </a:r>
+          </a:p>
+          <a:p>
+            <a:pPr marL="285750" indent="-285750">
+              <a:buFont typeface="Arial" panose="020B0604020202020204" pitchFamily="34" charset="0"/>
+              <a:buChar char="•"/>
+            </a:pPr>
+            <a:endParaRPr lang="en-US" dirty="0"/>
+          </a:p>
+          <a:p>
+            <a:pPr marL="285750" indent="-285750">
+              <a:buFont typeface="Arial" panose="020B0604020202020204" pitchFamily="34" charset="0"/>
+              <a:buChar char="•"/>
+            </a:pPr>
             <a:r>
               <a:rPr lang="en-US" dirty="0"/>
               <a:t>Financial assets and car distribution are more unequal in non-Eastern and Eastern.</a:t>
             </a:r>
+          </a:p>
+          <a:p>
+            <a:pPr marL="285750" indent="-285750">
+              <a:buFont typeface="Arial" panose="020B0604020202020204" pitchFamily="34" charset="0"/>
+              <a:buChar char="•"/>
+            </a:pPr>
+            <a:endParaRPr lang="en-US" dirty="0"/>
           </a:p>
           <a:p>
             <a:pPr marL="285750" indent="-285750">
@@ -4519,7 +5729,12 @@
             <p:ph type="title"/>
           </p:nvPr>
         </p:nvSpPr>
-        <p:spPr/>
+        <p:spPr>
+          <a:xfrm>
+            <a:off x="838200" y="578956"/>
+            <a:ext cx="10515600" cy="1325563"/>
+          </a:xfrm>
+        </p:spPr>
         <p:txBody>
           <a:bodyPr/>
           <a:lstStyle/>
@@ -4546,7 +5761,7 @@
           <p:nvPr/>
         </p:nvPicPr>
         <p:blipFill>
-          <a:blip r:embed="rId2">
+          <a:blip r:embed="rId3">
             <a:extLst>
               <a:ext uri="{28A0092B-C50C-407E-A947-70E740481C1C}">
                 <a14:useLocalDpi xmlns:a14="http://schemas.microsoft.com/office/drawing/2010/main" val="0"/>
@@ -4582,7 +5797,7 @@
         <p:spPr>
           <a:xfrm>
             <a:off x="191911" y="2334155"/>
-            <a:ext cx="5294489" cy="3139321"/>
+            <a:ext cx="5294489" cy="3970318"/>
           </a:xfrm>
           <a:prstGeom prst="rect">
             <a:avLst/>
@@ -4605,43 +5820,6 @@
             </a:r>
           </a:p>
           <a:p>
-            <a:r>
-              <a:rPr lang="en-US" dirty="0"/>
-              <a:t> </a:t>
-            </a:r>
-          </a:p>
-          <a:p>
-            <a:pPr marL="285750" indent="-285750">
-              <a:buFont typeface="Arial" panose="020B0604020202020204" pitchFamily="34" charset="0"/>
-              <a:buChar char="•"/>
-            </a:pPr>
-            <a:r>
-              <a:rPr lang="en-US" dirty="0"/>
-              <a:t>Wealth inequality is higher in rural than urban areas.</a:t>
-            </a:r>
-          </a:p>
-          <a:p>
-            <a:endParaRPr lang="en-US" dirty="0"/>
-          </a:p>
-          <a:p>
-            <a:pPr marL="285750" indent="-285750">
-              <a:buFont typeface="Arial" panose="020B0604020202020204" pitchFamily="34" charset="0"/>
-              <a:buChar char="•"/>
-            </a:pPr>
-            <a:r>
-              <a:rPr lang="en-US" dirty="0"/>
-              <a:t> Between-group inequality contributes to about 1/3</a:t>
-            </a:r>
-            <a:r>
-              <a:rPr lang="en-US" baseline="30000" dirty="0"/>
-              <a:t>rd</a:t>
-            </a:r>
-            <a:r>
-              <a:rPr lang="en-US" dirty="0"/>
-              <a:t> of the total Gini coefficient. </a:t>
-            </a:r>
-          </a:p>
-          <a:p>
             <a:pPr marL="285750" indent="-285750">
               <a:buFont typeface="Arial" panose="020B0604020202020204" pitchFamily="34" charset="0"/>
               <a:buChar char="•"/>
@@ -4649,6 +5827,60 @@
             <a:endParaRPr lang="en-US" dirty="0"/>
           </a:p>
           <a:p>
+            <a:pPr marL="285750" indent="-285750">
+              <a:buFont typeface="Arial" panose="020B0604020202020204" pitchFamily="34" charset="0"/>
+              <a:buChar char="•"/>
+            </a:pPr>
+            <a:r>
+              <a:rPr lang="en-US" dirty="0"/>
+              <a:t>In both urban and rural area, wealth inequality declined from 2017 to 2019. </a:t>
+            </a:r>
+          </a:p>
+          <a:p>
+            <a:r>
+              <a:rPr lang="en-US" dirty="0"/>
+              <a:t> </a:t>
+            </a:r>
+          </a:p>
+          <a:p>
+            <a:pPr marL="285750" indent="-285750">
+              <a:buFont typeface="Arial" panose="020B0604020202020204" pitchFamily="34" charset="0"/>
+              <a:buChar char="•"/>
+            </a:pPr>
+            <a:r>
+              <a:rPr lang="en-US" dirty="0"/>
+              <a:t>Wealth inequality is higher in rural than urban areas.</a:t>
+            </a:r>
+          </a:p>
+          <a:p>
+            <a:endParaRPr lang="en-US" dirty="0"/>
+          </a:p>
+          <a:p>
+            <a:pPr marL="285750" indent="-285750">
+              <a:buFont typeface="Arial" panose="020B0604020202020204" pitchFamily="34" charset="0"/>
+              <a:buChar char="•"/>
+            </a:pPr>
+            <a:r>
+              <a:rPr lang="en-US" dirty="0"/>
+              <a:t> Between-group inequality contributes to about 1/3</a:t>
+            </a:r>
+            <a:r>
+              <a:rPr lang="en-US" baseline="30000" dirty="0"/>
+              <a:t>rd</a:t>
+            </a:r>
+            <a:r>
+              <a:rPr lang="en-US" dirty="0"/>
+              <a:t> of the total Gini coefficient. </a:t>
+            </a:r>
+          </a:p>
+          <a:p>
+            <a:pPr marL="285750" indent="-285750">
+              <a:buFont typeface="Arial" panose="020B0604020202020204" pitchFamily="34" charset="0"/>
+              <a:buChar char="•"/>
+            </a:pPr>
+            <a:endParaRPr lang="en-US" dirty="0"/>
+          </a:p>
+          <a:p>
             <a:endParaRPr lang="en-US" dirty="0"/>
           </a:p>
           <a:p>
@@ -4673,7 +5905,7 @@
           </p:nvPr>
         </p:nvPicPr>
         <p:blipFill>
-          <a:blip r:embed="rId3">
+          <a:blip r:embed="rId4">
             <a:extLst>
               <a:ext uri="{28A0092B-C50C-407E-A947-70E740481C1C}">
                 <a14:useLocalDpi xmlns:a14="http://schemas.microsoft.com/office/drawing/2010/main" val="0"/>
@@ -4766,7 +5998,7 @@
           </p:nvPr>
         </p:nvPicPr>
         <p:blipFill>
-          <a:blip r:embed="rId2">
+          <a:blip r:embed="rId3">
             <a:extLst>
               <a:ext uri="{28A0092B-C50C-407E-A947-70E740481C1C}">
                 <a14:useLocalDpi xmlns:a14="http://schemas.microsoft.com/office/drawing/2010/main" val="0"/>
@@ -4799,7 +6031,7 @@
           <p:nvPr/>
         </p:nvPicPr>
         <p:blipFill>
-          <a:blip r:embed="rId3">
+          <a:blip r:embed="rId4">
             <a:extLst>
               <a:ext uri="{28A0092B-C50C-407E-A947-70E740481C1C}">
                 <a14:useLocalDpi xmlns:a14="http://schemas.microsoft.com/office/drawing/2010/main" val="0"/>
@@ -5931,7 +7163,7 @@
           </p:nvPr>
         </p:nvPicPr>
         <p:blipFill>
-          <a:blip r:embed="rId2">
+          <a:blip r:embed="rId3">
             <a:extLst>
               <a:ext uri="{28A0092B-C50C-407E-A947-70E740481C1C}">
                 <a14:useLocalDpi xmlns:a14="http://schemas.microsoft.com/office/drawing/2010/main" val="0"/>
@@ -5967,7 +7199,7 @@
         <p:spPr>
           <a:xfrm>
             <a:off x="495300" y="4152900"/>
-            <a:ext cx="3639458" cy="923330"/>
+            <a:ext cx="3639458" cy="1477328"/>
           </a:xfrm>
           <a:prstGeom prst="rect">
             <a:avLst/>
@@ -5986,10 +7218,16 @@
             </a:r>
           </a:p>
           <a:p>
+            <a:endParaRPr lang="en-US" dirty="0"/>
+          </a:p>
+          <a:p>
             <a:r>
               <a:rPr lang="en-US" dirty="0"/>
               <a:t>35% today</a:t>
             </a:r>
+          </a:p>
+          <a:p>
+            <a:endParaRPr lang="en-US" dirty="0"/>
           </a:p>
           <a:p>
             <a:r>
@@ -6417,4 +7655,319 @@
     </a:ext>
   </a:extLst>
 </a:theme>
+</file>
+
+<file path=ppt/theme/theme2.xml><?xml version="1.0" encoding="utf-8"?>
+<a:theme xmlns:a="http://schemas.openxmlformats.org/drawingml/2006/main" name="Office Theme">
+  <a:themeElements>
+    <a:clrScheme name="Office">
+      <a:dk1>
+        <a:sysClr val="windowText" lastClr="000000"/>
+      </a:dk1>
+      <a:lt1>
+        <a:sysClr val="window" lastClr="FFFFFF"/>
+      </a:lt1>
+      <a:dk2>
+        <a:srgbClr val="0E2841"/>
+      </a:dk2>
+      <a:lt2>
+        <a:srgbClr val="E8E8E8"/>
+      </a:lt2>
+      <a:accent1>
+        <a:srgbClr val="156082"/>
+      </a:accent1>
+      <a:accent2>
+        <a:srgbClr val="E97132"/>
+      </a:accent2>
+      <a:accent3>
+        <a:srgbClr val="196B24"/>
+      </a:accent3>
+      <a:accent4>
+        <a:srgbClr val="0F9ED5"/>
+      </a:accent4>
+      <a:accent5>
+        <a:srgbClr val="A02B93"/>
+      </a:accent5>
+      <a:accent6>
+        <a:srgbClr val="4EA72E"/>
+      </a:accent6>
+      <a:hlink>
+        <a:srgbClr val="467886"/>
+      </a:hlink>
+      <a:folHlink>
+        <a:srgbClr val="96607D"/>
+      </a:folHlink>
+    </a:clrScheme>
+    <a:fontScheme name="Office">
+      <a:majorFont>
+        <a:latin typeface="Aptos Display" panose="02110004020202020204"/>
+        <a:ea typeface=""/>
+        <a:cs typeface=""/>
+        <a:font script="Jpan" typeface="游ゴシック Light"/>
+        <a:font script="Hang" typeface="맑은 고딕"/>
+        <a:font script="Hans" typeface="等线 Light"/>
+        <a:font script="Hant" typeface="新細明體"/>
+        <a:font script="Arab" typeface="Times New Roman"/>
+        <a:font script="Hebr" typeface="Times New Roman"/>
+        <a:font script="Thai" typeface="Angsana New"/>
+        <a:font script="Ethi" typeface="Nyala"/>
+        <a:font script="Beng" typeface="Vrinda"/>
+        <a:font script="Gujr" typeface="Shruti"/>
+        <a:font script="Khmr" typeface="MoolBoran"/>
+        <a:font script="Knda" typeface="Tunga"/>
+        <a:font script="Guru" typeface="Raavi"/>
+        <a:font script="Cans" typeface="Euphemia"/>
+        <a:font script="Cher" typeface="Plantagenet Cherokee"/>
+        <a:font script="Yiii" typeface="Microsoft Yi Baiti"/>
+        <a:font script="Tibt" typeface="Microsoft Himalaya"/>
+        <a:font script="Thaa" typeface="MV Boli"/>
+        <a:font script="Deva" typeface="Mangal"/>
+        <a:font script="Telu" typeface="Gautami"/>
+        <a:font script="Taml" typeface="Latha"/>
+        <a:font script="Syrc" typeface="Estrangelo Edessa"/>
+        <a:font script="Orya" typeface="Kalinga"/>
+        <a:font script="Mlym" typeface="Kartika"/>
+        <a:font script="Laoo" typeface="DokChampa"/>
+        <a:font script="Sinh" typeface="Iskoola Pota"/>
+        <a:font script="Mong" typeface="Mongolian Baiti"/>
+        <a:font script="Viet" typeface="Times New Roman"/>
+        <a:font script="Uigh" typeface="Microsoft Uighur"/>
+        <a:font script="Geor" typeface="Sylfaen"/>
+        <a:font script="Armn" typeface="Arial"/>
+        <a:font script="Bugi" typeface="Leelawadee UI"/>
+        <a:font script="Bopo" typeface="Microsoft JhengHei"/>
+        <a:font script="Java" typeface="Javanese Text"/>
+        <a:font script="Lisu" typeface="Segoe UI"/>
+        <a:font script="Mymr" typeface="Myanmar Text"/>
+        <a:font script="Nkoo" typeface="Ebrima"/>
+        <a:font script="Olck" typeface="Nirmala UI"/>
+        <a:font script="Osma" typeface="Ebrima"/>
+        <a:font script="Phag" typeface="Phagspa"/>
+        <a:font script="Syrn" typeface="Estrangelo Edessa"/>
+        <a:font script="Syrj" typeface="Estrangelo Edessa"/>
+        <a:font script="Syre" typeface="Estrangelo Edessa"/>
+        <a:font script="Sora" typeface="Nirmala UI"/>
+        <a:font script="Tale" typeface="Microsoft Tai Le"/>
+        <a:font script="Talu" typeface="Microsoft New Tai Lue"/>
+        <a:font script="Tfng" typeface="Ebrima"/>
+      </a:majorFont>
+      <a:minorFont>
+        <a:latin typeface="Aptos" panose="02110004020202020204"/>
+        <a:ea typeface=""/>
+        <a:cs typeface=""/>
+        <a:font script="Jpan" typeface="游ゴシック"/>
+        <a:font script="Hang" typeface="맑은 고딕"/>
+        <a:font script="Hans" typeface="等线"/>
+        <a:font script="Hant" typeface="新細明體"/>
+        <a:font script="Arab" typeface="Arial"/>
+        <a:font script="Hebr" typeface="Arial"/>
+        <a:font script="Thai" typeface="Cordia New"/>
+        <a:font script="Ethi" typeface="Nyala"/>
+        <a:font script="Beng" typeface="Vrinda"/>
+        <a:font script="Gujr" typeface="Shruti"/>
+        <a:font script="Khmr" typeface="DaunPenh"/>
+        <a:font script="Knda" typeface="Tunga"/>
+        <a:font script="Guru" typeface="Raavi"/>
+        <a:font script="Cans" typeface="Euphemia"/>
+        <a:font script="Cher" typeface="Plantagenet Cherokee"/>
+        <a:font script="Yiii" typeface="Microsoft Yi Baiti"/>
+        <a:font script="Tibt" typeface="Microsoft Himalaya"/>
+        <a:font script="Thaa" typeface="MV Boli"/>
+        <a:font script="Deva" typeface="Mangal"/>
+        <a:font script="Telu" typeface="Gautami"/>
+        <a:font script="Taml" typeface="Latha"/>
+        <a:font script="Syrc" typeface="Estrangelo Edessa"/>
+        <a:font script="Orya" typeface="Kalinga"/>
+        <a:font script="Mlym" typeface="Kartika"/>
+        <a:font script="Laoo" typeface="DokChampa"/>
+        <a:font script="Sinh" typeface="Iskoola Pota"/>
+        <a:font script="Mong" typeface="Mongolian Baiti"/>
+        <a:font script="Viet" typeface="Arial"/>
+        <a:font script="Uigh" typeface="Microsoft Uighur"/>
+        <a:font script="Geor" typeface="Sylfaen"/>
+        <a:font script="Armn" typeface="Arial"/>
+        <a:font script="Bugi" typeface="Leelawadee UI"/>
+        <a:font script="Bopo" typeface="Microsoft JhengHei"/>
+        <a:font script="Java" typeface="Javanese Text"/>
+        <a:font script="Lisu" typeface="Segoe UI"/>
+        <a:font script="Mymr" typeface="Myanmar Text"/>
+        <a:font script="Nkoo" typeface="Ebrima"/>
+        <a:font script="Olck" typeface="Nirmala UI"/>
+        <a:font script="Osma" typeface="Ebrima"/>
+        <a:font script="Phag" typeface="Phagspa"/>
+        <a:font script="Syrn" typeface="Estrangelo Edessa"/>
+        <a:font script="Syrj" typeface="Estrangelo Edessa"/>
+        <a:font script="Syre" typeface="Estrangelo Edessa"/>
+        <a:font script="Sora" typeface="Nirmala UI"/>
+        <a:font script="Tale" typeface="Microsoft Tai Le"/>
+        <a:font script="Talu" typeface="Microsoft New Tai Lue"/>
+        <a:font script="Tfng" typeface="Ebrima"/>
+      </a:minorFont>
+    </a:fontScheme>
+    <a:fmtScheme name="Office">
+      <a:fillStyleLst>
+        <a:solidFill>
+          <a:schemeClr val="phClr"/>
+        </a:solidFill>
+        <a:gradFill rotWithShape="1">
+          <a:gsLst>
+            <a:gs pos="0">
+              <a:schemeClr val="phClr">
+                <a:lumMod val="110000"/>
+                <a:satMod val="105000"/>
+                <a:tint val="67000"/>
+              </a:schemeClr>
+            </a:gs>
+            <a:gs pos="50000">
+              <a:schemeClr val="phClr">
+                <a:lumMod val="105000"/>
+                <a:satMod val="103000"/>
+                <a:tint val="73000"/>
+              </a:schemeClr>
+            </a:gs>
+            <a:gs pos="100000">
+              <a:schemeClr val="phClr">
+                <a:lumMod val="105000"/>
+                <a:satMod val="109000"/>
+                <a:tint val="81000"/>
+              </a:schemeClr>
+            </a:gs>
+          </a:gsLst>
+          <a:lin ang="5400000" scaled="0"/>
+        </a:gradFill>
+        <a:gradFill rotWithShape="1">
+          <a:gsLst>
+            <a:gs pos="0">
+              <a:schemeClr val="phClr">
+                <a:satMod val="103000"/>
+                <a:lumMod val="102000"/>
+                <a:tint val="94000"/>
+              </a:schemeClr>
+            </a:gs>
+            <a:gs pos="50000">
+              <a:schemeClr val="phClr">
+                <a:satMod val="110000"/>
+                <a:lumMod val="100000"/>
+                <a:shade val="100000"/>
+              </a:schemeClr>
+            </a:gs>
+            <a:gs pos="100000">
+              <a:schemeClr val="phClr">
+                <a:lumMod val="99000"/>
+                <a:satMod val="120000"/>
+                <a:shade val="78000"/>
+              </a:schemeClr>
+            </a:gs>
+          </a:gsLst>
+          <a:lin ang="5400000" scaled="0"/>
+        </a:gradFill>
+      </a:fillStyleLst>
+      <a:lnStyleLst>
+        <a:ln w="12700" cap="flat" cmpd="sng" algn="ctr">
+          <a:solidFill>
+            <a:schemeClr val="phClr"/>
+          </a:solidFill>
+          <a:prstDash val="solid"/>
+          <a:miter lim="800000"/>
+        </a:ln>
+        <a:ln w="19050" cap="flat" cmpd="sng" algn="ctr">
+          <a:solidFill>
+            <a:schemeClr val="phClr"/>
+          </a:solidFill>
+          <a:prstDash val="solid"/>
+          <a:miter lim="800000"/>
+        </a:ln>
+        <a:ln w="25400" cap="flat" cmpd="sng" algn="ctr">
+          <a:solidFill>
+            <a:schemeClr val="phClr"/>
+          </a:solidFill>
+          <a:prstDash val="solid"/>
+          <a:miter lim="800000"/>
+        </a:ln>
+      </a:lnStyleLst>
+      <a:effectStyleLst>
+        <a:effectStyle>
+          <a:effectLst/>
+        </a:effectStyle>
+        <a:effectStyle>
+          <a:effectLst/>
+        </a:effectStyle>
+        <a:effectStyle>
+          <a:effectLst>
+            <a:outerShdw blurRad="57150" dist="19050" dir="5400000" algn="ctr" rotWithShape="0">
+              <a:srgbClr val="000000">
+                <a:alpha val="63000"/>
+              </a:srgbClr>
+            </a:outerShdw>
+          </a:effectLst>
+        </a:effectStyle>
+      </a:effectStyleLst>
+      <a:bgFillStyleLst>
+        <a:solidFill>
+          <a:schemeClr val="phClr"/>
+        </a:solidFill>
+        <a:solidFill>
+          <a:schemeClr val="phClr">
+            <a:tint val="95000"/>
+            <a:satMod val="170000"/>
+          </a:schemeClr>
+        </a:solidFill>
+        <a:gradFill rotWithShape="1">
+          <a:gsLst>
+            <a:gs pos="0">
+              <a:schemeClr val="phClr">
+                <a:tint val="93000"/>
+                <a:satMod val="150000"/>
+                <a:shade val="98000"/>
+                <a:lumMod val="102000"/>
+              </a:schemeClr>
+            </a:gs>
+            <a:gs pos="50000">
+              <a:schemeClr val="phClr">
+                <a:tint val="98000"/>
+                <a:satMod val="130000"/>
+                <a:shade val="90000"/>
+                <a:lumMod val="103000"/>
+              </a:schemeClr>
+            </a:gs>
+            <a:gs pos="100000">
+              <a:schemeClr val="phClr">
+                <a:shade val="63000"/>
+                <a:satMod val="120000"/>
+              </a:schemeClr>
+            </a:gs>
+          </a:gsLst>
+          <a:lin ang="5400000" scaled="0"/>
+        </a:gradFill>
+      </a:bgFillStyleLst>
+    </a:fmtScheme>
+  </a:themeElements>
+  <a:objectDefaults>
+    <a:lnDef>
+      <a:spPr/>
+      <a:bodyPr/>
+      <a:lstStyle/>
+      <a:style>
+        <a:lnRef idx="2">
+          <a:schemeClr val="accent1"/>
+        </a:lnRef>
+        <a:fillRef idx="0">
+          <a:schemeClr val="accent1"/>
+        </a:fillRef>
+        <a:effectRef idx="1">
+          <a:schemeClr val="accent1"/>
+        </a:effectRef>
+        <a:fontRef idx="minor">
+          <a:schemeClr val="tx1"/>
+        </a:fontRef>
+      </a:style>
+    </a:lnDef>
+  </a:objectDefaults>
+  <a:extraClrSchemeLst/>
+  <a:extLst>
+    <a:ext uri="{05A4C25C-085E-4340-85A3-A5531E510DB2}">
+      <thm15:themeFamily xmlns:thm15="http://schemas.microsoft.com/office/thememl/2012/main" name="Office Theme" id="{2E142A2C-CD16-42D6-873A-C26D2A0506FA}" vid="{1BDDFF52-6CD6-40A5-AB3C-68EB2F1E4D0A}"/>
+    </a:ext>
+  </a:extLst>
+</a:theme>
 </file>